--- a/Latex/Figures/Chapter2/fig_poise_setup.pptx
+++ b/Latex/Figures/Chapter2/fig_poise_setup.pptx
@@ -243,7 +243,7 @@
           <a:p>
             <a:fld id="{A8F48D5B-9275-4A08-B238-9C7CECCD580A}" type="datetimeFigureOut">
               <a:rPr lang="en-US" smtClean="0"/>
-              <a:t>5/31/2018</a:t>
+              <a:t>7/5/2019</a:t>
             </a:fld>
             <a:endParaRPr lang="en-US"/>
           </a:p>
@@ -413,7 +413,7 @@
           <a:p>
             <a:fld id="{A8F48D5B-9275-4A08-B238-9C7CECCD580A}" type="datetimeFigureOut">
               <a:rPr lang="en-US" smtClean="0"/>
-              <a:t>5/31/2018</a:t>
+              <a:t>7/5/2019</a:t>
             </a:fld>
             <a:endParaRPr lang="en-US"/>
           </a:p>
@@ -593,7 +593,7 @@
           <a:p>
             <a:fld id="{A8F48D5B-9275-4A08-B238-9C7CECCD580A}" type="datetimeFigureOut">
               <a:rPr lang="en-US" smtClean="0"/>
-              <a:t>5/31/2018</a:t>
+              <a:t>7/5/2019</a:t>
             </a:fld>
             <a:endParaRPr lang="en-US"/>
           </a:p>
@@ -763,7 +763,7 @@
           <a:p>
             <a:fld id="{A8F48D5B-9275-4A08-B238-9C7CECCD580A}" type="datetimeFigureOut">
               <a:rPr lang="en-US" smtClean="0"/>
-              <a:t>5/31/2018</a:t>
+              <a:t>7/5/2019</a:t>
             </a:fld>
             <a:endParaRPr lang="en-US"/>
           </a:p>
@@ -1007,7 +1007,7 @@
           <a:p>
             <a:fld id="{A8F48D5B-9275-4A08-B238-9C7CECCD580A}" type="datetimeFigureOut">
               <a:rPr lang="en-US" smtClean="0"/>
-              <a:t>5/31/2018</a:t>
+              <a:t>7/5/2019</a:t>
             </a:fld>
             <a:endParaRPr lang="en-US"/>
           </a:p>
@@ -1239,7 +1239,7 @@
           <a:p>
             <a:fld id="{A8F48D5B-9275-4A08-B238-9C7CECCD580A}" type="datetimeFigureOut">
               <a:rPr lang="en-US" smtClean="0"/>
-              <a:t>5/31/2018</a:t>
+              <a:t>7/5/2019</a:t>
             </a:fld>
             <a:endParaRPr lang="en-US"/>
           </a:p>
@@ -1606,7 +1606,7 @@
           <a:p>
             <a:fld id="{A8F48D5B-9275-4A08-B238-9C7CECCD580A}" type="datetimeFigureOut">
               <a:rPr lang="en-US" smtClean="0"/>
-              <a:t>5/31/2018</a:t>
+              <a:t>7/5/2019</a:t>
             </a:fld>
             <a:endParaRPr lang="en-US"/>
           </a:p>
@@ -1724,7 +1724,7 @@
           <a:p>
             <a:fld id="{A8F48D5B-9275-4A08-B238-9C7CECCD580A}" type="datetimeFigureOut">
               <a:rPr lang="en-US" smtClean="0"/>
-              <a:t>5/31/2018</a:t>
+              <a:t>7/5/2019</a:t>
             </a:fld>
             <a:endParaRPr lang="en-US"/>
           </a:p>
@@ -1819,7 +1819,7 @@
           <a:p>
             <a:fld id="{A8F48D5B-9275-4A08-B238-9C7CECCD580A}" type="datetimeFigureOut">
               <a:rPr lang="en-US" smtClean="0"/>
-              <a:t>5/31/2018</a:t>
+              <a:t>7/5/2019</a:t>
             </a:fld>
             <a:endParaRPr lang="en-US"/>
           </a:p>
@@ -2096,7 +2096,7 @@
           <a:p>
             <a:fld id="{A8F48D5B-9275-4A08-B238-9C7CECCD580A}" type="datetimeFigureOut">
               <a:rPr lang="en-US" smtClean="0"/>
-              <a:t>5/31/2018</a:t>
+              <a:t>7/5/2019</a:t>
             </a:fld>
             <a:endParaRPr lang="en-US"/>
           </a:p>
@@ -2353,7 +2353,7 @@
           <a:p>
             <a:fld id="{A8F48D5B-9275-4A08-B238-9C7CECCD580A}" type="datetimeFigureOut">
               <a:rPr lang="en-US" smtClean="0"/>
-              <a:t>5/31/2018</a:t>
+              <a:t>7/5/2019</a:t>
             </a:fld>
             <a:endParaRPr lang="en-US"/>
           </a:p>
@@ -2566,7 +2566,7 @@
           <a:p>
             <a:fld id="{A8F48D5B-9275-4A08-B238-9C7CECCD580A}" type="datetimeFigureOut">
               <a:rPr lang="en-US" smtClean="0"/>
-              <a:t>5/31/2018</a:t>
+              <a:t>7/5/2019</a:t>
             </a:fld>
             <a:endParaRPr lang="en-US"/>
           </a:p>
@@ -3171,8 +3171,8 @@
         </p:nvSpPr>
         <p:spPr>
           <a:xfrm>
-            <a:off x="2640515" y="-15303"/>
-            <a:ext cx="287258" cy="369332"/>
+            <a:off x="2627690" y="-15303"/>
+            <a:ext cx="300083" cy="369332"/>
           </a:xfrm>
           <a:prstGeom prst="rect">
             <a:avLst/>
@@ -3188,16 +3188,16 @@
             <a:pPr algn="r"/>
             <a:r>
               <a:rPr lang="en-US" i="1" dirty="0" smtClean="0">
-                <a:latin typeface="Times New Roman" panose="02020603050405020304" pitchFamily="18" charset="0"/>
-                <a:ea typeface="Roboto" panose="02000000000000000000" pitchFamily="2" charset="0"/>
-                <a:cs typeface="Times New Roman" panose="02020603050405020304" pitchFamily="18" charset="0"/>
+                <a:latin typeface="Linux Libertine" panose="02000503000000000000" pitchFamily="2" charset="0"/>
+                <a:ea typeface="Linux Libertine" panose="02000503000000000000" pitchFamily="2" charset="0"/>
+                <a:cs typeface="Linux Libertine" panose="02000503000000000000" pitchFamily="2" charset="0"/>
               </a:rPr>
               <a:t>y</a:t>
             </a:r>
             <a:endParaRPr lang="en-US" sz="4000" i="1" dirty="0">
-              <a:latin typeface="Times New Roman" panose="02020603050405020304" pitchFamily="18" charset="0"/>
-              <a:ea typeface="Roboto" panose="02000000000000000000" pitchFamily="2" charset="0"/>
-              <a:cs typeface="Times New Roman" panose="02020603050405020304" pitchFamily="18" charset="0"/>
+              <a:latin typeface="Linux Libertine" panose="02000503000000000000" pitchFamily="2" charset="0"/>
+              <a:ea typeface="Linux Libertine" panose="02000503000000000000" pitchFamily="2" charset="0"/>
+              <a:cs typeface="Linux Libertine" panose="02000503000000000000" pitchFamily="2" charset="0"/>
             </a:endParaRPr>
           </a:p>
         </p:txBody>
@@ -3243,8 +3243,8 @@
         </p:nvCxnSpPr>
         <p:spPr>
           <a:xfrm>
-            <a:off x="186519" y="1833969"/>
-            <a:ext cx="5136108" cy="0"/>
+            <a:off x="186519" y="2563678"/>
+            <a:ext cx="5268350" cy="0"/>
           </a:xfrm>
           <a:prstGeom prst="straightConnector1">
             <a:avLst/>
@@ -3276,8 +3276,8 @@
         </p:nvSpPr>
         <p:spPr>
           <a:xfrm>
-            <a:off x="5110494" y="1778754"/>
-            <a:ext cx="287258" cy="369332"/>
+            <a:off x="5110493" y="2213473"/>
+            <a:ext cx="293671" cy="369332"/>
           </a:xfrm>
           <a:prstGeom prst="rect">
             <a:avLst/>
@@ -3293,16 +3293,16 @@
             <a:pPr algn="r"/>
             <a:r>
               <a:rPr lang="en-US" i="1" dirty="0" smtClean="0">
-                <a:latin typeface="Times New Roman" panose="02020603050405020304" pitchFamily="18" charset="0"/>
-                <a:ea typeface="Roboto" panose="02000000000000000000" pitchFamily="2" charset="0"/>
-                <a:cs typeface="Times New Roman" panose="02020603050405020304" pitchFamily="18" charset="0"/>
+                <a:latin typeface="Linux Libertine" panose="02000503000000000000" pitchFamily="2" charset="0"/>
+                <a:ea typeface="Linux Libertine" panose="02000503000000000000" pitchFamily="2" charset="0"/>
+                <a:cs typeface="Linux Libertine" panose="02000503000000000000" pitchFamily="2" charset="0"/>
               </a:rPr>
               <a:t>x</a:t>
             </a:r>
             <a:endParaRPr lang="en-US" sz="4000" i="1" dirty="0">
-              <a:latin typeface="Times New Roman" panose="02020603050405020304" pitchFamily="18" charset="0"/>
-              <a:ea typeface="Roboto" panose="02000000000000000000" pitchFamily="2" charset="0"/>
-              <a:cs typeface="Times New Roman" panose="02020603050405020304" pitchFamily="18" charset="0"/>
+              <a:latin typeface="Linux Libertine" panose="02000503000000000000" pitchFamily="2" charset="0"/>
+              <a:ea typeface="Linux Libertine" panose="02000503000000000000" pitchFamily="2" charset="0"/>
+              <a:cs typeface="Linux Libertine" panose="02000503000000000000" pitchFamily="2" charset="0"/>
             </a:endParaRPr>
           </a:p>
         </p:txBody>
@@ -3315,8 +3315,8 @@
         </p:nvSpPr>
         <p:spPr>
           <a:xfrm>
-            <a:off x="2157973" y="786082"/>
-            <a:ext cx="455574" cy="369332"/>
+            <a:off x="2308655" y="786082"/>
+            <a:ext cx="304892" cy="369332"/>
           </a:xfrm>
           <a:prstGeom prst="rect">
             <a:avLst/>
@@ -3332,16 +3332,16 @@
             <a:pPr algn="r"/>
             <a:r>
               <a:rPr lang="en-US" i="1" dirty="0" smtClean="0">
-                <a:latin typeface="Times New Roman" panose="02020603050405020304" pitchFamily="18" charset="0"/>
-                <a:ea typeface="Roboto" panose="02000000000000000000" pitchFamily="2" charset="0"/>
-                <a:cs typeface="Times New Roman" panose="02020603050405020304" pitchFamily="18" charset="0"/>
+                <a:latin typeface="Linux Libertine" panose="02000503000000000000" pitchFamily="2" charset="0"/>
+                <a:ea typeface="Linux Libertine" panose="02000503000000000000" pitchFamily="2" charset="0"/>
+                <a:cs typeface="Linux Libertine" panose="02000503000000000000" pitchFamily="2" charset="0"/>
               </a:rPr>
-              <a:t>+h</a:t>
+              <a:t>h</a:t>
             </a:r>
             <a:endParaRPr lang="en-US" sz="4000" i="1" dirty="0">
-              <a:latin typeface="Times New Roman" panose="02020603050405020304" pitchFamily="18" charset="0"/>
-              <a:ea typeface="Roboto" panose="02000000000000000000" pitchFamily="2" charset="0"/>
-              <a:cs typeface="Times New Roman" panose="02020603050405020304" pitchFamily="18" charset="0"/>
+              <a:latin typeface="Linux Libertine" panose="02000503000000000000" pitchFamily="2" charset="0"/>
+              <a:ea typeface="Linux Libertine" panose="02000503000000000000" pitchFamily="2" charset="0"/>
+              <a:cs typeface="Linux Libertine" panose="02000503000000000000" pitchFamily="2" charset="0"/>
             </a:endParaRPr>
           </a:p>
         </p:txBody>
@@ -3354,8 +3354,8 @@
         </p:nvSpPr>
         <p:spPr>
           <a:xfrm>
-            <a:off x="2184941" y="2513862"/>
-            <a:ext cx="455574" cy="369332"/>
+            <a:off x="2353257" y="2513862"/>
+            <a:ext cx="287258" cy="369332"/>
           </a:xfrm>
           <a:prstGeom prst="rect">
             <a:avLst/>
@@ -3371,16 +3371,16 @@
             <a:pPr algn="r"/>
             <a:r>
               <a:rPr lang="en-US" i="1" dirty="0" smtClean="0">
-                <a:latin typeface="Times New Roman" panose="02020603050405020304" pitchFamily="18" charset="0"/>
-                <a:ea typeface="Roboto" panose="02000000000000000000" pitchFamily="2" charset="0"/>
-                <a:cs typeface="Times New Roman" panose="02020603050405020304" pitchFamily="18" charset="0"/>
+                <a:latin typeface="Linux Libertine" panose="02000503000000000000" pitchFamily="2" charset="0"/>
+                <a:ea typeface="Linux Libertine" panose="02000503000000000000" pitchFamily="2" charset="0"/>
+                <a:cs typeface="Linux Libertine" panose="02000503000000000000" pitchFamily="2" charset="0"/>
               </a:rPr>
-              <a:t>−h</a:t>
+              <a:t>0</a:t>
             </a:r>
             <a:endParaRPr lang="en-US" sz="4000" i="1" dirty="0">
-              <a:latin typeface="Times New Roman" panose="02020603050405020304" pitchFamily="18" charset="0"/>
-              <a:ea typeface="Roboto" panose="02000000000000000000" pitchFamily="2" charset="0"/>
-              <a:cs typeface="Times New Roman" panose="02020603050405020304" pitchFamily="18" charset="0"/>
+              <a:latin typeface="Linux Libertine" panose="02000503000000000000" pitchFamily="2" charset="0"/>
+              <a:ea typeface="Linux Libertine" panose="02000503000000000000" pitchFamily="2" charset="0"/>
+              <a:cs typeface="Linux Libertine" panose="02000503000000000000" pitchFamily="2" charset="0"/>
             </a:endParaRPr>
           </a:p>
         </p:txBody>
@@ -3394,7 +3394,7 @@
         <p:spPr>
           <a:xfrm>
             <a:off x="186519" y="1159989"/>
-            <a:ext cx="962572" cy="646331"/>
+            <a:ext cx="984565" cy="646331"/>
           </a:xfrm>
           <a:prstGeom prst="rect">
             <a:avLst/>
@@ -3409,9 +3409,9 @@
           <a:p>
             <a:r>
               <a:rPr lang="en-US" dirty="0" smtClean="0">
-                <a:latin typeface="Times New Roman" panose="02020603050405020304" pitchFamily="18" charset="0"/>
-                <a:ea typeface="Roboto" panose="02000000000000000000" pitchFamily="2" charset="0"/>
-                <a:cs typeface="Times New Roman" panose="02020603050405020304" pitchFamily="18" charset="0"/>
+                <a:latin typeface="Linux Libertine" panose="02000503000000000000" pitchFamily="2" charset="0"/>
+                <a:ea typeface="Linux Libertine" panose="02000503000000000000" pitchFamily="2" charset="0"/>
+                <a:cs typeface="Linux Libertine" panose="02000503000000000000" pitchFamily="2" charset="0"/>
               </a:rPr>
               <a:t>High</a:t>
             </a:r>
@@ -3419,9 +3419,9 @@
           <a:p>
             <a:r>
               <a:rPr lang="en-US" dirty="0" smtClean="0">
-                <a:latin typeface="Times New Roman" panose="02020603050405020304" pitchFamily="18" charset="0"/>
-                <a:ea typeface="Roboto" panose="02000000000000000000" pitchFamily="2" charset="0"/>
-                <a:cs typeface="Times New Roman" panose="02020603050405020304" pitchFamily="18" charset="0"/>
+                <a:latin typeface="Linux Libertine" panose="02000503000000000000" pitchFamily="2" charset="0"/>
+                <a:ea typeface="Linux Libertine" panose="02000503000000000000" pitchFamily="2" charset="0"/>
+                <a:cs typeface="Linux Libertine" panose="02000503000000000000" pitchFamily="2" charset="0"/>
               </a:rPr>
               <a:t>pressure</a:t>
             </a:r>
@@ -3437,7 +3437,7 @@
         <p:spPr>
           <a:xfrm>
             <a:off x="4435180" y="1155335"/>
-            <a:ext cx="962572" cy="646331"/>
+            <a:ext cx="984565" cy="646331"/>
           </a:xfrm>
           <a:prstGeom prst="rect">
             <a:avLst/>
@@ -3452,9 +3452,9 @@
           <a:p>
             <a:r>
               <a:rPr lang="en-US" dirty="0" smtClean="0">
-                <a:latin typeface="Times New Roman" panose="02020603050405020304" pitchFamily="18" charset="0"/>
-                <a:ea typeface="Roboto" panose="02000000000000000000" pitchFamily="2" charset="0"/>
-                <a:cs typeface="Times New Roman" panose="02020603050405020304" pitchFamily="18" charset="0"/>
+                <a:latin typeface="Linux Libertine" panose="02000503000000000000" pitchFamily="2" charset="0"/>
+                <a:ea typeface="Linux Libertine" panose="02000503000000000000" pitchFamily="2" charset="0"/>
+                <a:cs typeface="Linux Libertine" panose="02000503000000000000" pitchFamily="2" charset="0"/>
               </a:rPr>
               <a:t>Low</a:t>
             </a:r>
@@ -3462,9 +3462,9 @@
           <a:p>
             <a:r>
               <a:rPr lang="en-US" dirty="0" smtClean="0">
-                <a:latin typeface="Times New Roman" panose="02020603050405020304" pitchFamily="18" charset="0"/>
-                <a:ea typeface="Roboto" panose="02000000000000000000" pitchFamily="2" charset="0"/>
-                <a:cs typeface="Times New Roman" panose="02020603050405020304" pitchFamily="18" charset="0"/>
+                <a:latin typeface="Linux Libertine" panose="02000503000000000000" pitchFamily="2" charset="0"/>
+                <a:ea typeface="Linux Libertine" panose="02000503000000000000" pitchFamily="2" charset="0"/>
+                <a:cs typeface="Linux Libertine" panose="02000503000000000000" pitchFamily="2" charset="0"/>
               </a:rPr>
               <a:t>pressure</a:t>
             </a:r>
@@ -3532,7 +3532,7 @@
             <a:avLst/>
           </a:prstGeom>
           <a:ln w="38100">
-            <a:tailEnd type="triangle" w="lg" len="med"/>
+            <a:tailEnd type="triangle" w="med" len="lg"/>
           </a:ln>
         </p:spPr>
         <p:style>
@@ -3565,7 +3565,7 @@
             <a:avLst/>
           </a:prstGeom>
           <a:ln w="38100">
-            <a:tailEnd type="triangle" w="lg" len="med"/>
+            <a:tailEnd type="triangle" w="med" len="lg"/>
           </a:ln>
         </p:spPr>
         <p:style>
@@ -3598,7 +3598,8 @@
             <a:avLst/>
           </a:prstGeom>
           <a:ln w="38100">
-            <a:tailEnd type="triangle" w="lg" len="med"/>
+            <a:headEnd type="none" w="med" len="med"/>
+            <a:tailEnd type="triangle" w="med" len="lg"/>
           </a:ln>
         </p:spPr>
         <p:style>
@@ -3633,7 +3634,7 @@
             <a:avLst/>
           </a:prstGeom>
           <a:ln w="38100">
-            <a:tailEnd type="triangle" w="lg" len="med"/>
+            <a:tailEnd type="triangle" w="med" len="lg"/>
           </a:ln>
         </p:spPr>
         <p:style>
@@ -3666,7 +3667,7 @@
             <a:avLst/>
           </a:prstGeom>
           <a:ln w="38100">
-            <a:tailEnd type="triangle" w="lg" len="med"/>
+            <a:tailEnd type="triangle" w="med" len="lg"/>
           </a:ln>
         </p:spPr>
         <p:style>
@@ -3699,7 +3700,7 @@
             <a:avLst/>
           </a:prstGeom>
           <a:ln w="38100">
-            <a:tailEnd type="triangle" w="lg" len="med"/>
+            <a:tailEnd type="triangle" w="med" len="lg"/>
           </a:ln>
         </p:spPr>
         <p:style>
@@ -3732,7 +3733,7 @@
             <a:avLst/>
           </a:prstGeom>
           <a:ln w="38100">
-            <a:tailEnd type="triangle" w="lg" len="med"/>
+            <a:tailEnd type="triangle" w="med" len="lg"/>
           </a:ln>
         </p:spPr>
         <p:style>
@@ -3804,8 +3805,8 @@
         </p:nvSpPr>
         <p:spPr>
           <a:xfrm>
-            <a:off x="3428358" y="1119303"/>
-            <a:ext cx="312907" cy="369332"/>
+            <a:off x="3418740" y="1119303"/>
+            <a:ext cx="322525" cy="369332"/>
           </a:xfrm>
           <a:prstGeom prst="rect">
             <a:avLst/>
@@ -3821,16 +3822,16 @@
             <a:pPr algn="r"/>
             <a:r>
               <a:rPr lang="en-US" b="1" dirty="0" smtClean="0">
-                <a:latin typeface="Times New Roman" panose="02020603050405020304" pitchFamily="18" charset="0"/>
-                <a:ea typeface="Roboto" panose="02000000000000000000" pitchFamily="2" charset="0"/>
-                <a:cs typeface="Times New Roman" panose="02020603050405020304" pitchFamily="18" charset="0"/>
+                <a:latin typeface="Linux Libertine" panose="02000503000000000000" pitchFamily="2" charset="0"/>
+                <a:ea typeface="Linux Libertine" panose="02000503000000000000" pitchFamily="2" charset="0"/>
+                <a:cs typeface="Linux Libertine" panose="02000503000000000000" pitchFamily="2" charset="0"/>
               </a:rPr>
               <a:t>u</a:t>
             </a:r>
             <a:endParaRPr lang="en-US" sz="4000" b="1" dirty="0">
-              <a:latin typeface="Times New Roman" panose="02020603050405020304" pitchFamily="18" charset="0"/>
-              <a:ea typeface="Roboto" panose="02000000000000000000" pitchFamily="2" charset="0"/>
-              <a:cs typeface="Times New Roman" panose="02020603050405020304" pitchFamily="18" charset="0"/>
+              <a:latin typeface="Linux Libertine" panose="02000503000000000000" pitchFamily="2" charset="0"/>
+              <a:ea typeface="Linux Libertine" panose="02000503000000000000" pitchFamily="2" charset="0"/>
+              <a:cs typeface="Linux Libertine" panose="02000503000000000000" pitchFamily="2" charset="0"/>
             </a:endParaRPr>
           </a:p>
         </p:txBody>
@@ -3845,6 +3846,13 @@
   <p:clrMapOvr>
     <a:masterClrMapping/>
   </p:clrMapOvr>
+  <p:timing>
+    <p:tnLst>
+      <p:par>
+        <p:cTn id="1" dur="indefinite" restart="never" nodeType="tmRoot"/>
+      </p:par>
+    </p:tnLst>
+  </p:timing>
 </p:sld>
 </file>
 
